--- a/01_doc/1_Prototypage_Git.pptx
+++ b/01_doc/1_Prototypage_Git.pptx
@@ -222,7 +222,7 @@
           <a:p>
             <a:fld id="{A26F47A7-19F1-476E-B378-36C23ED3EA61}" type="datetimeFigureOut">
               <a:rPr lang="en-US" smtClean="0"/>
-              <a:t>11/7/2022</a:t>
+              <a:t>11/16/2022</a:t>
             </a:fld>
             <a:endParaRPr lang="en-US"/>
           </a:p>
@@ -387,7 +387,7 @@
           <a:p>
             <a:fld id="{AECF9310-904B-4E76-9698-DA7F847270E4}" type="datetimeFigureOut">
               <a:rPr lang="fr-FR" smtClean="0"/>
-              <a:t>07/11/2022</a:t>
+              <a:t>16/11/2022</a:t>
             </a:fld>
             <a:endParaRPr lang="fr-FR"/>
           </a:p>
@@ -1476,7 +1476,7 @@
           <a:p>
             <a:fld id="{966D0AF3-4F44-47A8-8A2A-DEC5B660B0D5}" type="datetimeFigureOut">
               <a:rPr lang="fr-FR" smtClean="0"/>
-              <a:t>07/11/2022</a:t>
+              <a:t>16/11/2022</a:t>
             </a:fld>
             <a:endParaRPr lang="fr-FR"/>
           </a:p>
@@ -9302,7 +9302,7 @@
         </p:nvSpPr>
         <p:spPr>
           <a:xfrm>
-            <a:off x="429148" y="1302536"/>
+            <a:off x="429148" y="1028216"/>
             <a:ext cx="8021168" cy="366706"/>
           </a:xfrm>
         </p:spPr>
@@ -9366,7 +9366,7 @@
         </p:nvSpPr>
         <p:spPr>
           <a:xfrm>
-            <a:off x="208569" y="1907628"/>
+            <a:off x="208569" y="1633308"/>
             <a:ext cx="8065272" cy="809923"/>
           </a:xfrm>
           <a:prstGeom prst="rect">
@@ -9607,7 +9607,7 @@
         </p:nvSpPr>
         <p:spPr>
           <a:xfrm>
-            <a:off x="8866094" y="2720788"/>
+            <a:off x="8866094" y="2446468"/>
             <a:ext cx="1093694" cy="2931457"/>
           </a:xfrm>
           <a:prstGeom prst="rect">
@@ -9663,7 +9663,7 @@
         </p:nvSpPr>
         <p:spPr>
           <a:xfrm>
-            <a:off x="429148" y="3158230"/>
+            <a:off x="429148" y="2386070"/>
             <a:ext cx="8021168" cy="366706"/>
           </a:xfrm>
           <a:prstGeom prst="rect">
@@ -9863,8 +9863,8 @@
         </p:nvSpPr>
         <p:spPr>
           <a:xfrm>
-            <a:off x="156432" y="3610922"/>
-            <a:ext cx="6666778" cy="3036000"/>
+            <a:off x="156432" y="2787962"/>
+            <a:ext cx="7483888" cy="3036000"/>
           </a:xfrm>
           <a:prstGeom prst="rect">
             <a:avLst/>
@@ -10085,21 +10085,55 @@
               <a:rPr lang="fr-FR" dirty="0">
                 <a:latin typeface="Century Gothic"/>
               </a:rPr>
-              <a:t># liste les différences entre </a:t>
+              <a:t># liste les différences entre la branche </a:t>
+            </a:r>
+            <a:r>
+              <a:rPr lang="fr-FR" i="1" dirty="0">
+                <a:latin typeface="Century Gothic"/>
+              </a:rPr>
+              <a:t>main</a:t>
+            </a:r>
+            <a:r>
+              <a:rPr lang="fr-FR" dirty="0">
+                <a:latin typeface="Century Gothic"/>
+              </a:rPr>
+              <a:t> sur </a:t>
+            </a:r>
+            <a:r>
+              <a:rPr lang="fr-FR" i="1" dirty="0" err="1">
+                <a:latin typeface="Century Gothic"/>
+              </a:rPr>
+              <a:t>origin</a:t>
+            </a:r>
+            <a:r>
+              <a:rPr lang="fr-FR" dirty="0">
+                <a:latin typeface="Century Gothic"/>
+              </a:rPr>
+              <a:t> </a:t>
+            </a:r>
+          </a:p>
+          <a:p>
+            <a:pPr marL="0" indent="0">
+              <a:buNone/>
+            </a:pPr>
+            <a:r>
+              <a:rPr lang="fr-FR" dirty="0">
+                <a:latin typeface="Century Gothic"/>
+              </a:rPr>
+              <a:t>(</a:t>
             </a:r>
             <a:r>
               <a:rPr lang="fr-FR" dirty="0" err="1">
                 <a:latin typeface="Century Gothic"/>
               </a:rPr>
-              <a:t>origin</a:t>
+              <a:t>depot</a:t>
             </a:r>
             <a:r>
               <a:rPr lang="fr-FR" dirty="0">
                 <a:latin typeface="Century Gothic"/>
               </a:rPr>
-              <a:t> (local) et main(distant)</a:t>
-            </a:r>
-            <a:endParaRPr lang="fr-FR" dirty="0"/>
+              <a:t> en ligne) et la branche main en local </a:t>
+            </a:r>
           </a:p>
           <a:p>
             <a:pPr marL="0" indent="0">
@@ -10107,6 +10141,30 @@
             </a:pPr>
             <a:r>
               <a:rPr lang="fr-FR" dirty="0">
+                <a:latin typeface="Century Gothic"/>
+              </a:rPr>
+              <a:t>(il faut faire un </a:t>
+            </a:r>
+            <a:r>
+              <a:rPr lang="fr-FR" dirty="0" err="1">
+                <a:latin typeface="Century Gothic"/>
+              </a:rPr>
+              <a:t>fetch</a:t>
+            </a:r>
+            <a:r>
+              <a:rPr lang="fr-FR" dirty="0">
+                <a:latin typeface="Century Gothic"/>
+              </a:rPr>
+              <a:t> avant de faire un diff) </a:t>
+            </a:r>
+            <a:endParaRPr lang="fr-FR" dirty="0"/>
+          </a:p>
+          <a:p>
+            <a:pPr marL="0" indent="0">
+              <a:buNone/>
+            </a:pPr>
+            <a:r>
+              <a:rPr lang="fr-FR" dirty="0">
                 <a:solidFill>
                   <a:srgbClr val="00B050"/>
                 </a:solidFill>
@@ -10130,7 +10188,16 @@
                 </a:solidFill>
                 <a:latin typeface="Century Gothic"/>
               </a:rPr>
-              <a:t>/main</a:t>
+              <a:t>/main </a:t>
+            </a:r>
+            <a:r>
+              <a:rPr lang="fr-FR" dirty="0" err="1">
+                <a:solidFill>
+                  <a:srgbClr val="00B050"/>
+                </a:solidFill>
+                <a:latin typeface="Century Gothic"/>
+              </a:rPr>
+              <a:t>main</a:t>
             </a:r>
             <a:endParaRPr lang="fr-FR" dirty="0">
               <a:solidFill>
@@ -10146,7 +10213,7 @@
               <a:rPr lang="fr-FR" dirty="0">
                 <a:latin typeface="Century Gothic"/>
               </a:rPr>
-              <a:t># du dépôt local vers l'espace de travail</a:t>
+              <a:t># Fusionne dépôt distant et local et recopie dans </a:t>
             </a:r>
           </a:p>
           <a:p>
@@ -10155,12 +10222,23 @@
             </a:pPr>
             <a:r>
               <a:rPr lang="fr-FR" dirty="0">
-                <a:solidFill>
-                  <a:srgbClr val="00B050"/>
-                </a:solidFill>
                 <a:latin typeface="Century Gothic"/>
               </a:rPr>
-              <a:t>git merge</a:t>
+              <a:t>l’espace de travail</a:t>
+            </a:r>
+          </a:p>
+          <a:p>
+            <a:pPr marL="0" indent="0">
+              <a:buNone/>
+            </a:pPr>
+            <a:r>
+              <a:rPr lang="fr-FR" dirty="0">
+                <a:solidFill>
+                  <a:srgbClr val="00B050"/>
+                </a:solidFill>
+                <a:latin typeface="Century Gothic"/>
+              </a:rPr>
+              <a:t>git merge #Peut mener à des conflits!</a:t>
             </a:r>
             <a:endParaRPr lang="fr-FR" dirty="0">
               <a:solidFill>
@@ -10282,8 +10360,8 @@
         </p:nvSpPr>
         <p:spPr>
           <a:xfrm>
-            <a:off x="6527770" y="2954258"/>
-            <a:ext cx="2954477" cy="2719785"/>
+            <a:off x="6537960" y="3172137"/>
+            <a:ext cx="2946400" cy="1891054"/>
           </a:xfrm>
           <a:prstGeom prst="rect">
             <a:avLst/>
